--- a/Diplomski-DC.pptx
+++ b/Diplomski-DC.pptx
@@ -864,7 +864,7 @@
           <a:p>
             <a:fld id="{467A641A-9C40-4A23-8D8B-39A3FD1D249B}" type="datetimeFigureOut">
               <a:rPr lang="sr-Latn-RS" smtClean="0"/>
-              <a:t>7.10.2025.</a:t>
+              <a:t>8.10.2025.</a:t>
             </a:fld>
             <a:endParaRPr lang="sr-Latn-RS"/>
           </a:p>
@@ -1115,7 +1115,7 @@
           <a:p>
             <a:fld id="{467A641A-9C40-4A23-8D8B-39A3FD1D249B}" type="datetimeFigureOut">
               <a:rPr lang="sr-Latn-RS" smtClean="0"/>
-              <a:t>7.10.2025.</a:t>
+              <a:t>8.10.2025.</a:t>
             </a:fld>
             <a:endParaRPr lang="sr-Latn-RS"/>
           </a:p>
@@ -1429,7 +1429,7 @@
           <a:p>
             <a:fld id="{467A641A-9C40-4A23-8D8B-39A3FD1D249B}" type="datetimeFigureOut">
               <a:rPr lang="sr-Latn-RS" smtClean="0"/>
-              <a:t>7.10.2025.</a:t>
+              <a:t>8.10.2025.</a:t>
             </a:fld>
             <a:endParaRPr lang="sr-Latn-RS"/>
           </a:p>
@@ -1770,7 +1770,7 @@
           <a:p>
             <a:fld id="{467A641A-9C40-4A23-8D8B-39A3FD1D249B}" type="datetimeFigureOut">
               <a:rPr lang="sr-Latn-RS" smtClean="0"/>
-              <a:t>7.10.2025.</a:t>
+              <a:t>8.10.2025.</a:t>
             </a:fld>
             <a:endParaRPr lang="sr-Latn-RS"/>
           </a:p>
@@ -2084,7 +2084,7 @@
           <a:p>
             <a:fld id="{467A641A-9C40-4A23-8D8B-39A3FD1D249B}" type="datetimeFigureOut">
               <a:rPr lang="sr-Latn-RS" smtClean="0"/>
-              <a:t>7.10.2025.</a:t>
+              <a:t>8.10.2025.</a:t>
             </a:fld>
             <a:endParaRPr lang="sr-Latn-RS"/>
           </a:p>
@@ -2477,7 +2477,7 @@
           <a:p>
             <a:fld id="{467A641A-9C40-4A23-8D8B-39A3FD1D249B}" type="datetimeFigureOut">
               <a:rPr lang="sr-Latn-RS" smtClean="0"/>
-              <a:t>7.10.2025.</a:t>
+              <a:t>8.10.2025.</a:t>
             </a:fld>
             <a:endParaRPr lang="sr-Latn-RS"/>
           </a:p>
@@ -2647,7 +2647,7 @@
           <a:p>
             <a:fld id="{467A641A-9C40-4A23-8D8B-39A3FD1D249B}" type="datetimeFigureOut">
               <a:rPr lang="sr-Latn-RS" smtClean="0"/>
-              <a:t>7.10.2025.</a:t>
+              <a:t>8.10.2025.</a:t>
             </a:fld>
             <a:endParaRPr lang="sr-Latn-RS"/>
           </a:p>
@@ -2827,7 +2827,7 @@
           <a:p>
             <a:fld id="{467A641A-9C40-4A23-8D8B-39A3FD1D249B}" type="datetimeFigureOut">
               <a:rPr lang="sr-Latn-RS" smtClean="0"/>
-              <a:t>7.10.2025.</a:t>
+              <a:t>8.10.2025.</a:t>
             </a:fld>
             <a:endParaRPr lang="sr-Latn-RS"/>
           </a:p>
@@ -3003,7 +3003,7 @@
           <a:p>
             <a:fld id="{467A641A-9C40-4A23-8D8B-39A3FD1D249B}" type="datetimeFigureOut">
               <a:rPr lang="sr-Latn-RS" smtClean="0"/>
-              <a:t>7.10.2025.</a:t>
+              <a:t>8.10.2025.</a:t>
             </a:fld>
             <a:endParaRPr lang="sr-Latn-RS"/>
           </a:p>
@@ -3250,7 +3250,7 @@
           <a:p>
             <a:fld id="{467A641A-9C40-4A23-8D8B-39A3FD1D249B}" type="datetimeFigureOut">
               <a:rPr lang="sr-Latn-RS" smtClean="0"/>
-              <a:t>7.10.2025.</a:t>
+              <a:t>8.10.2025.</a:t>
             </a:fld>
             <a:endParaRPr lang="sr-Latn-RS"/>
           </a:p>
@@ -3482,7 +3482,7 @@
           <a:p>
             <a:fld id="{467A641A-9C40-4A23-8D8B-39A3FD1D249B}" type="datetimeFigureOut">
               <a:rPr lang="sr-Latn-RS" smtClean="0"/>
-              <a:t>7.10.2025.</a:t>
+              <a:t>8.10.2025.</a:t>
             </a:fld>
             <a:endParaRPr lang="sr-Latn-RS"/>
           </a:p>
@@ -3856,7 +3856,7 @@
           <a:p>
             <a:fld id="{467A641A-9C40-4A23-8D8B-39A3FD1D249B}" type="datetimeFigureOut">
               <a:rPr lang="sr-Latn-RS" smtClean="0"/>
-              <a:t>7.10.2025.</a:t>
+              <a:t>8.10.2025.</a:t>
             </a:fld>
             <a:endParaRPr lang="sr-Latn-RS"/>
           </a:p>
@@ -3979,7 +3979,7 @@
           <a:p>
             <a:fld id="{467A641A-9C40-4A23-8D8B-39A3FD1D249B}" type="datetimeFigureOut">
               <a:rPr lang="sr-Latn-RS" smtClean="0"/>
-              <a:t>7.10.2025.</a:t>
+              <a:t>8.10.2025.</a:t>
             </a:fld>
             <a:endParaRPr lang="sr-Latn-RS"/>
           </a:p>
@@ -4074,7 +4074,7 @@
           <a:p>
             <a:fld id="{467A641A-9C40-4A23-8D8B-39A3FD1D249B}" type="datetimeFigureOut">
               <a:rPr lang="sr-Latn-RS" smtClean="0"/>
-              <a:t>7.10.2025.</a:t>
+              <a:t>8.10.2025.</a:t>
             </a:fld>
             <a:endParaRPr lang="sr-Latn-RS"/>
           </a:p>
@@ -4329,7 +4329,7 @@
           <a:p>
             <a:fld id="{467A641A-9C40-4A23-8D8B-39A3FD1D249B}" type="datetimeFigureOut">
               <a:rPr lang="sr-Latn-RS" smtClean="0"/>
-              <a:t>7.10.2025.</a:t>
+              <a:t>8.10.2025.</a:t>
             </a:fld>
             <a:endParaRPr lang="sr-Latn-RS"/>
           </a:p>
@@ -4592,7 +4592,7 @@
           <a:p>
             <a:fld id="{467A641A-9C40-4A23-8D8B-39A3FD1D249B}" type="datetimeFigureOut">
               <a:rPr lang="sr-Latn-RS" smtClean="0"/>
-              <a:t>7.10.2025.</a:t>
+              <a:t>8.10.2025.</a:t>
             </a:fld>
             <a:endParaRPr lang="sr-Latn-RS"/>
           </a:p>
@@ -5335,7 +5335,7 @@
           <a:p>
             <a:fld id="{467A641A-9C40-4A23-8D8B-39A3FD1D249B}" type="datetimeFigureOut">
               <a:rPr lang="sr-Latn-RS" smtClean="0"/>
-              <a:t>7.10.2025.</a:t>
+              <a:t>8.10.2025.</a:t>
             </a:fld>
             <a:endParaRPr lang="sr-Latn-RS"/>
           </a:p>
